--- a/Final Presentation.pptx
+++ b/Final Presentation.pptx
@@ -3007,7 +3007,7 @@
           <a:bodyPr/>
           <a:lstStyle/>
           <a:p>
-            <a:endParaRPr lang="en-US"/>
+            <a:endParaRPr lang="en-US" dirty="0"/>
           </a:p>
         </p:txBody>
       </p:sp>
@@ -3058,7 +3058,7 @@
           <a:p>
             <a:r>
               <a:rPr lang="en-US" dirty="0" smtClean="0"/>
-              <a:t>Pricing trends</a:t>
+              <a:t>Property Value</a:t>
             </a:r>
             <a:endParaRPr lang="en-US" dirty="0"/>
           </a:p>
@@ -3091,9 +3091,23 @@
             </a:r>
           </a:p>
           <a:p>
+            <a:pPr lvl="1"/>
             <a:r>
               <a:rPr lang="en-US" dirty="0" smtClean="0"/>
-              <a:t>Insights</a:t>
+              <a:t>Limitations of dataset</a:t>
+            </a:r>
+          </a:p>
+          <a:p>
+            <a:pPr lvl="1"/>
+            <a:r>
+              <a:rPr lang="en-US" dirty="0" smtClean="0"/>
+              <a:t>Assumptions</a:t>
+            </a:r>
+          </a:p>
+          <a:p>
+            <a:r>
+              <a:rPr lang="en-US" dirty="0" smtClean="0"/>
+              <a:t>Insights/trends</a:t>
             </a:r>
             <a:endParaRPr lang="en-US" dirty="0"/>
           </a:p>
@@ -3311,7 +3325,42 @@
           <a:bodyPr/>
           <a:lstStyle/>
           <a:p>
-            <a:endParaRPr lang="en-US"/>
+            <a:r>
+              <a:rPr lang="en-US" dirty="0" smtClean="0"/>
+              <a:t>Assumptions:</a:t>
+            </a:r>
+          </a:p>
+          <a:p>
+            <a:pPr lvl="1"/>
+            <a:r>
+              <a:rPr lang="en-US" dirty="0"/>
+              <a:t>1</a:t>
+            </a:r>
+            <a:r>
+              <a:rPr lang="en-US" dirty="0" smtClean="0"/>
+              <a:t> km radius of central </a:t>
+            </a:r>
+            <a:r>
+              <a:rPr lang="en-US" dirty="0" err="1" smtClean="0"/>
+              <a:t>lat</a:t>
+            </a:r>
+            <a:r>
+              <a:rPr lang="en-US" dirty="0" smtClean="0"/>
+              <a:t>/</a:t>
+            </a:r>
+            <a:r>
+              <a:rPr lang="en-US" dirty="0" err="1" smtClean="0"/>
+              <a:t>lng</a:t>
+            </a:r>
+            <a:r>
+              <a:rPr lang="en-US" dirty="0" smtClean="0"/>
+              <a:t> representative of entire restaurant density of </a:t>
+            </a:r>
+            <a:r>
+              <a:rPr lang="en-US" dirty="0" err="1" smtClean="0"/>
+              <a:t>zipcode</a:t>
+            </a:r>
+            <a:endParaRPr lang="en-US" dirty="0"/>
           </a:p>
         </p:txBody>
       </p:sp>

--- a/Final Presentation.pptx
+++ b/Final Presentation.pptx
@@ -109,6 +109,11 @@
       </a:defRPr>
     </a:lvl9pPr>
   </p:defaultTextStyle>
+  <p:extLst>
+    <p:ext uri="{EFAFB233-063F-42B5-8137-9DF3F51BA10A}">
+      <p15:sldGuideLst xmlns:p15="http://schemas.microsoft.com/office/powerpoint/2012/main"/>
+    </p:ext>
+  </p:extLst>
 </p:presentation>
 </file>
 
@@ -3320,9 +3325,16 @@
             <p:ph idx="1"/>
           </p:nvPr>
         </p:nvSpPr>
-        <p:spPr/>
-        <p:txBody>
-          <a:bodyPr/>
+        <p:spPr>
+          <a:xfrm>
+            <a:off x="838200" y="2128836"/>
+            <a:ext cx="10515600" cy="2185989"/>
+          </a:xfrm>
+        </p:spPr>
+        <p:txBody>
+          <a:bodyPr>
+            <a:normAutofit fontScale="92500"/>
+          </a:bodyPr>
           <a:lstStyle/>
           <a:p>
             <a:r>
@@ -3359,6 +3371,20 @@
             <a:r>
               <a:rPr lang="en-US" dirty="0" err="1" smtClean="0"/>
               <a:t>zipcode</a:t>
+            </a:r>
+            <a:endParaRPr lang="en-US" dirty="0" smtClean="0"/>
+          </a:p>
+          <a:p>
+            <a:endParaRPr lang="en-US" dirty="0" smtClean="0"/>
+          </a:p>
+          <a:p>
+            <a:r>
+              <a:rPr lang="en-US" dirty="0" smtClean="0"/>
+              <a:t>Notes: add heat map and line graph relating to pricing and insights for </a:t>
+            </a:r>
+            <a:r>
+              <a:rPr lang="en-US" dirty="0" err="1" smtClean="0"/>
+              <a:t>boh</a:t>
             </a:r>
             <a:endParaRPr lang="en-US" dirty="0"/>
           </a:p>
